--- a/doc/TeleScope.pptx
+++ b/doc/TeleScope.pptx
@@ -168,7 +168,7 @@
           <a:p>
             <a:fld id="{4251665B-C24A-4702-B522-6A4334602E03}" type="datetimeFigureOut">
               <a:rPr lang="en-US" smtClean="0"/>
-              <a:t>2/20/13</a:t>
+              <a:t>6/1/14</a:t>
             </a:fld>
             <a:endParaRPr lang="en-US"/>
           </a:p>
@@ -925,7 +925,7 @@
           <a:p>
             <a:fld id="{4251665B-C24A-4702-B522-6A4334602E03}" type="datetimeFigureOut">
               <a:rPr lang="en-US" smtClean="0"/>
-              <a:t>2/20/13</a:t>
+              <a:t>6/1/14</a:t>
             </a:fld>
             <a:endParaRPr lang="en-US"/>
           </a:p>
@@ -1549,7 +1549,7 @@
           <a:p>
             <a:fld id="{4251665B-C24A-4702-B522-6A4334602E03}" type="datetimeFigureOut">
               <a:rPr lang="en-US" smtClean="0"/>
-              <a:t>2/20/13</a:t>
+              <a:t>6/1/14</a:t>
             </a:fld>
             <a:endParaRPr lang="en-US"/>
           </a:p>
@@ -1972,7 +1972,7 @@
           <a:p>
             <a:fld id="{4251665B-C24A-4702-B522-6A4334602E03}" type="datetimeFigureOut">
               <a:rPr lang="en-US" smtClean="0"/>
-              <a:t>2/20/13</a:t>
+              <a:t>6/1/14</a:t>
             </a:fld>
             <a:endParaRPr lang="en-US"/>
           </a:p>
@@ -2149,7 +2149,7 @@
           <a:p>
             <a:fld id="{4251665B-C24A-4702-B522-6A4334602E03}" type="datetimeFigureOut">
               <a:rPr lang="en-US" smtClean="0"/>
-              <a:t>2/20/13</a:t>
+              <a:t>6/1/14</a:t>
             </a:fld>
             <a:endParaRPr lang="en-US"/>
           </a:p>
@@ -2966,7 +2966,7 @@
           <a:p>
             <a:fld id="{4251665B-C24A-4702-B522-6A4334602E03}" type="datetimeFigureOut">
               <a:rPr lang="en-US" smtClean="0"/>
-              <a:t>2/20/13</a:t>
+              <a:t>6/1/14</a:t>
             </a:fld>
             <a:endParaRPr lang="en-US"/>
           </a:p>
@@ -3477,7 +3477,7 @@
           <a:p>
             <a:fld id="{4251665B-C24A-4702-B522-6A4334602E03}" type="datetimeFigureOut">
               <a:rPr lang="en-US" smtClean="0"/>
-              <a:t>2/20/13</a:t>
+              <a:t>6/1/14</a:t>
             </a:fld>
             <a:endParaRPr lang="en-US"/>
           </a:p>
@@ -3710,7 +3710,7 @@
           <a:p>
             <a:fld id="{4251665B-C24A-4702-B522-6A4334602E03}" type="datetimeFigureOut">
               <a:rPr lang="en-US" smtClean="0"/>
-              <a:t>2/20/13</a:t>
+              <a:t>6/1/14</a:t>
             </a:fld>
             <a:endParaRPr lang="en-US"/>
           </a:p>
@@ -4235,7 +4235,7 @@
           <a:p>
             <a:fld id="{4251665B-C24A-4702-B522-6A4334602E03}" type="datetimeFigureOut">
               <a:rPr lang="en-US" smtClean="0"/>
-              <a:t>2/20/13</a:t>
+              <a:t>6/1/14</a:t>
             </a:fld>
             <a:endParaRPr lang="en-US"/>
           </a:p>
@@ -4370,7 +4370,7 @@
           <a:p>
             <a:fld id="{4251665B-C24A-4702-B522-6A4334602E03}" type="datetimeFigureOut">
               <a:rPr lang="en-US" smtClean="0"/>
-              <a:t>2/20/13</a:t>
+              <a:t>6/1/14</a:t>
             </a:fld>
             <a:endParaRPr lang="en-US"/>
           </a:p>
@@ -5268,7 +5268,7 @@
           <a:p>
             <a:fld id="{4251665B-C24A-4702-B522-6A4334602E03}" type="datetimeFigureOut">
               <a:rPr lang="en-US" smtClean="0"/>
-              <a:t>2/20/13</a:t>
+              <a:t>6/1/14</a:t>
             </a:fld>
             <a:endParaRPr lang="en-US"/>
           </a:p>
@@ -5391,7 +5391,7 @@
           <a:p>
             <a:fld id="{4251665B-C24A-4702-B522-6A4334602E03}" type="datetimeFigureOut">
               <a:rPr lang="en-US" smtClean="0"/>
-              <a:t>2/20/13</a:t>
+              <a:t>6/1/14</a:t>
             </a:fld>
             <a:endParaRPr lang="en-US"/>
           </a:p>
@@ -6275,7 +6275,7 @@
           <a:p>
             <a:fld id="{4251665B-C24A-4702-B522-6A4334602E03}" type="datetimeFigureOut">
               <a:rPr lang="en-US" smtClean="0"/>
-              <a:t>2/20/13</a:t>
+              <a:t>6/1/14</a:t>
             </a:fld>
             <a:endParaRPr lang="en-US"/>
           </a:p>
@@ -6923,7 +6923,7 @@
           <a:p>
             <a:fld id="{4251665B-C24A-4702-B522-6A4334602E03}" type="datetimeFigureOut">
               <a:rPr lang="en-US" smtClean="0"/>
-              <a:t>2/20/13</a:t>
+              <a:t>6/1/14</a:t>
             </a:fld>
             <a:endParaRPr lang="en-US"/>
           </a:p>
@@ -7239,7 +7239,7 @@
           <a:p>
             <a:fld id="{4251665B-C24A-4702-B522-6A4334602E03}" type="datetimeFigureOut">
               <a:rPr lang="en-US" smtClean="0"/>
-              <a:t>2/20/13</a:t>
+              <a:t>6/1/14</a:t>
             </a:fld>
             <a:endParaRPr lang="en-US"/>
           </a:p>
@@ -7329,7 +7329,7 @@
           <a:p>
             <a:fld id="{4251665B-C24A-4702-B522-6A4334602E03}" type="datetimeFigureOut">
               <a:rPr lang="en-US" smtClean="0"/>
-              <a:t>2/20/13</a:t>
+              <a:t>6/1/14</a:t>
             </a:fld>
             <a:endParaRPr lang="en-US"/>
           </a:p>
@@ -7657,7 +7657,7 @@
           <a:p>
             <a:fld id="{4251665B-C24A-4702-B522-6A4334602E03}" type="datetimeFigureOut">
               <a:rPr lang="en-US" smtClean="0"/>
-              <a:t>2/20/13</a:t>
+              <a:t>6/1/14</a:t>
             </a:fld>
             <a:endParaRPr lang="en-US"/>
           </a:p>
@@ -8182,14 +8182,22 @@
             </a:r>
             <a:r>
               <a:rPr lang="en-US" dirty="0" smtClean="0"/>
-              <a:t> CQ (Continuous Query)</a:t>
+              <a:t> </a:t>
+            </a:r>
+            <a:r>
+              <a:rPr lang="en-US" dirty="0" smtClean="0"/>
+              <a:t/>
             </a:r>
             <a:br>
               <a:rPr lang="en-US" dirty="0" smtClean="0"/>
             </a:br>
             <a:r>
-              <a:rPr lang="en-US" dirty="0" smtClean="0"/>
-              <a:t>XML Data Stream Platform</a:t>
+              <a:rPr lang="en-US" sz="3100" dirty="0" smtClean="0"/>
+              <a:t>XML Stream/Replicator </a:t>
+            </a:r>
+            <a:r>
+              <a:rPr lang="en-US" sz="3100" dirty="0" smtClean="0"/>
+              <a:t>Platform</a:t>
             </a:r>
             <a:endParaRPr lang="en-US" dirty="0"/>
           </a:p>
@@ -8211,14 +8219,6 @@
           <a:lstStyle/>
           <a:p>
             <a:pPr algn="ctr"/>
-            <a:r>
-              <a:rPr lang="en-US" dirty="0"/>
-              <a:t>XML Event </a:t>
-            </a:r>
-            <a:r>
-              <a:rPr lang="en-US" dirty="0" smtClean="0"/>
-              <a:t>Processor</a:t>
-            </a:r>
             <a:endParaRPr lang="en-US" dirty="0"/>
           </a:p>
         </p:txBody>
@@ -8232,7 +8232,7 @@
         <p:spPr>
           <a:xfrm>
             <a:off x="1939245" y="2150274"/>
-            <a:ext cx="5114428" cy="3397853"/>
+            <a:ext cx="5114428" cy="3262432"/>
           </a:xfrm>
           <a:prstGeom prst="rect">
             <a:avLst/>
@@ -8262,139 +8262,67 @@
               <a:t> </a:t>
             </a:r>
             <a:r>
-              <a:rPr lang="en-US" sz="2400" dirty="0"/>
+              <a:rPr lang="en-US" sz="2000" dirty="0"/>
               <a:t>Department of Computer </a:t>
             </a:r>
             <a:r>
-              <a:rPr lang="en-US" sz="2400" dirty="0" smtClean="0"/>
+              <a:rPr lang="en-US" sz="2000" dirty="0" smtClean="0"/>
               <a:t>Science</a:t>
             </a:r>
-            <a:endParaRPr lang="en-US" sz="2400" dirty="0"/>
+            <a:endParaRPr lang="en-US" sz="2000" dirty="0"/>
           </a:p>
           <a:p>
             <a:pPr algn="ctr"/>
             <a:r>
-              <a:rPr lang="en-US" sz="2400" dirty="0"/>
+              <a:rPr lang="en-US" sz="2000" dirty="0"/>
               <a:t> Colorado State </a:t>
             </a:r>
             <a:r>
-              <a:rPr lang="en-US" sz="2400" dirty="0" smtClean="0"/>
+              <a:rPr lang="en-US" sz="2000" dirty="0" smtClean="0"/>
               <a:t>University</a:t>
             </a:r>
           </a:p>
           <a:p>
             <a:pPr algn="ctr"/>
             <a:r>
-              <a:rPr lang="en-US" sz="2400" dirty="0" smtClean="0"/>
+              <a:rPr lang="en-US" sz="2000" dirty="0" smtClean="0"/>
               <a:t> </a:t>
             </a:r>
             <a:r>
-              <a:rPr lang="en-US" sz="2400" dirty="0"/>
+              <a:rPr lang="en-US" sz="2000" dirty="0"/>
               <a:t>Fort </a:t>
             </a:r>
             <a:r>
-              <a:rPr lang="en-US" sz="2400" dirty="0" smtClean="0"/>
-              <a:t>Collins, CO, USA</a:t>
+              <a:rPr lang="en-US" sz="2000" dirty="0" smtClean="0"/>
+              <a:t>Collins, CO, </a:t>
+            </a:r>
+            <a:r>
+              <a:rPr lang="en-US" sz="2000" dirty="0" smtClean="0"/>
+              <a:t>USA</a:t>
             </a:r>
           </a:p>
           <a:p>
             <a:pPr algn="ctr"/>
-            <a:r>
-              <a:rPr lang="en-US" dirty="0" smtClean="0"/>
+            <a:endParaRPr lang="en-US" sz="2400" dirty="0" smtClean="0"/>
+          </a:p>
+          <a:p>
+            <a:pPr algn="ctr"/>
+            <a:r>
+              <a:rPr lang="en-US" sz="1600" dirty="0" smtClean="0"/>
               <a:t>With a number of slides borrowed from </a:t>
             </a:r>
             <a:r>
-              <a:rPr lang="en-US" dirty="0"/>
+              <a:rPr lang="en-US" sz="1600" dirty="0"/>
               <a:t>Roberto </a:t>
             </a:r>
             <a:r>
-              <a:rPr lang="en-US" dirty="0" err="1" smtClean="0"/>
+              <a:rPr lang="en-US" sz="1600" dirty="0" err="1" smtClean="0"/>
               <a:t>Baldoni</a:t>
             </a:r>
             <a:r>
-              <a:rPr lang="en-US" dirty="0" smtClean="0"/>
+              <a:rPr lang="en-US" sz="1600" dirty="0" smtClean="0"/>
               <a:t> (2005)</a:t>
             </a:r>
-          </a:p>
-          <a:p>
-            <a:pPr algn="ctr">
-              <a:lnSpc>
-                <a:spcPct val="80000"/>
-              </a:lnSpc>
-            </a:pPr>
-            <a:r>
-              <a:rPr lang="en-US" i="1" dirty="0" err="1"/>
-              <a:t>Dipartimento</a:t>
-            </a:r>
-            <a:r>
-              <a:rPr lang="en-US" i="1" dirty="0"/>
-              <a:t> di </a:t>
-            </a:r>
-            <a:r>
-              <a:rPr lang="en-US" i="1" dirty="0" err="1"/>
-              <a:t>Informatica</a:t>
-            </a:r>
-            <a:r>
-              <a:rPr lang="en-US" i="1" dirty="0"/>
-              <a:t> e </a:t>
-            </a:r>
-            <a:r>
-              <a:rPr lang="en-US" i="1" dirty="0" err="1"/>
-              <a:t>Sistemistica</a:t>
-            </a:r>
-            <a:endParaRPr lang="en-US" i="1" dirty="0"/>
-          </a:p>
-          <a:p>
-            <a:pPr algn="ctr">
-              <a:lnSpc>
-                <a:spcPct val="80000"/>
-              </a:lnSpc>
-            </a:pPr>
-            <a:r>
-              <a:rPr lang="en-US" i="1" dirty="0" err="1"/>
-              <a:t>Università</a:t>
-            </a:r>
-            <a:r>
-              <a:rPr lang="en-US" i="1" dirty="0"/>
-              <a:t> </a:t>
-            </a:r>
-            <a:r>
-              <a:rPr lang="en-US" i="1" dirty="0" err="1"/>
-              <a:t>degli</a:t>
-            </a:r>
-            <a:r>
-              <a:rPr lang="en-US" i="1" dirty="0"/>
-              <a:t> </a:t>
-            </a:r>
-            <a:r>
-              <a:rPr lang="en-US" i="1" dirty="0" err="1"/>
-              <a:t>Studi</a:t>
-            </a:r>
-            <a:r>
-              <a:rPr lang="en-US" i="1" dirty="0"/>
-              <a:t> di Roma </a:t>
-            </a:r>
-            <a:r>
-              <a:rPr lang="ja-JP" altLang="en-US" i="1" dirty="0">
-                <a:latin typeface="Arial"/>
-              </a:rPr>
-              <a:t>“</a:t>
-            </a:r>
-            <a:r>
-              <a:rPr lang="en-US" i="1" dirty="0"/>
-              <a:t>La </a:t>
-            </a:r>
-            <a:r>
-              <a:rPr lang="en-US" i="1" dirty="0" err="1"/>
-              <a:t>Sapienza</a:t>
-            </a:r>
-            <a:r>
-              <a:rPr lang="ja-JP" altLang="en-US" i="1" dirty="0">
-                <a:latin typeface="Arial"/>
-              </a:rPr>
-              <a:t>”</a:t>
-            </a:r>
-            <a:endParaRPr lang="en-US" i="1" dirty="0"/>
           </a:p>
           <a:p>
             <a:pPr algn="ctr"/>
@@ -8411,38 +8339,14 @@
       </p:sp>
       <p:pic>
         <p:nvPicPr>
-          <p:cNvPr id="4" name="Picture 3"/>
+          <p:cNvPr id="9" name="Picture 8" descr="telescope-logo2.png"/>
           <p:cNvPicPr>
             <a:picLocks noChangeAspect="1"/>
           </p:cNvPicPr>
           <p:nvPr/>
         </p:nvPicPr>
         <p:blipFill>
-          <a:blip r:embed="rId2"/>
-          <a:stretch>
-            <a:fillRect/>
-          </a:stretch>
-        </p:blipFill>
-        <p:spPr>
-          <a:xfrm>
-            <a:off x="569595" y="1010467"/>
-            <a:ext cx="737616" cy="737616"/>
-          </a:xfrm>
-          <a:prstGeom prst="rect">
-            <a:avLst/>
-          </a:prstGeom>
-        </p:spPr>
-      </p:pic>
-      <p:pic>
-        <p:nvPicPr>
-          <p:cNvPr id="5" name="Picture 4" descr="Colorado_State_University_logo.png"/>
-          <p:cNvPicPr>
-            <a:picLocks noChangeAspect="1"/>
-          </p:cNvPicPr>
-          <p:nvPr/>
-        </p:nvPicPr>
-        <p:blipFill>
-          <a:blip r:embed="rId3">
+          <a:blip r:embed="rId2">
             <a:extLst>
               <a:ext uri="{28A0092B-C50C-407E-A947-70E740481C1C}">
                 <a14:useLocalDpi xmlns:a14="http://schemas.microsoft.com/office/drawing/2010/main" val="0"/>
@@ -8455,8 +8359,8 @@
         </p:blipFill>
         <p:spPr>
           <a:xfrm>
-            <a:off x="3654044" y="4711820"/>
-            <a:ext cx="1752504" cy="1734979"/>
+            <a:off x="3824442" y="4767444"/>
+            <a:ext cx="1495117" cy="1056810"/>
           </a:xfrm>
           <a:prstGeom prst="rect">
             <a:avLst/>
@@ -9172,14 +9076,11 @@
             </a:r>
             <a:r>
               <a:rPr lang="it-IT" dirty="0" smtClean="0"/>
-              <a:t>? </a:t>
-            </a:r>
-            <a:r>
-              <a:rPr lang="it-IT" dirty="0" smtClean="0">
-                <a:sym typeface="Wingdings"/>
-              </a:rPr>
-              <a:t></a:t>
-            </a:r>
+              <a:t>?</a:t>
+            </a:r>
+            <a:endParaRPr lang="it-IT" dirty="0" smtClean="0">
+              <a:sym typeface="Wingdings"/>
+            </a:endParaRPr>
           </a:p>
           <a:p>
             <a:endParaRPr lang="it-IT" dirty="0" smtClean="0">
@@ -9332,7 +9233,11 @@
             </a:r>
             <a:r>
               <a:rPr lang="en-US" dirty="0" smtClean="0"/>
-              <a:t> CQ Features</a:t>
+              <a:t> </a:t>
+            </a:r>
+            <a:r>
+              <a:rPr lang="en-US" dirty="0" smtClean="0"/>
+              <a:t>Features</a:t>
             </a:r>
             <a:endParaRPr lang="en-US" dirty="0"/>
           </a:p>
@@ -9490,7 +9395,11 @@
             </a:r>
             <a:r>
               <a:rPr lang="en-US" dirty="0" smtClean="0"/>
-              <a:t> CQ Features</a:t>
+              <a:t> </a:t>
+            </a:r>
+            <a:r>
+              <a:rPr lang="en-US" dirty="0" smtClean="0"/>
+              <a:t>Features</a:t>
             </a:r>
             <a:endParaRPr lang="en-US" dirty="0"/>
           </a:p>
@@ -9634,7 +9543,11 @@
             </a:r>
             <a:r>
               <a:rPr lang="en-US" dirty="0" smtClean="0"/>
-              <a:t> CQ Features</a:t>
+              <a:t> </a:t>
+            </a:r>
+            <a:r>
+              <a:rPr lang="en-US" dirty="0" smtClean="0"/>
+              <a:t>Features</a:t>
             </a:r>
             <a:endParaRPr lang="en-US" dirty="0"/>
           </a:p>
@@ -9777,7 +9690,11 @@
             </a:r>
             <a:r>
               <a:rPr lang="en-US" dirty="0" smtClean="0"/>
-              <a:t> CQ Features</a:t>
+              <a:t> </a:t>
+            </a:r>
+            <a:r>
+              <a:rPr lang="en-US" dirty="0" smtClean="0"/>
+              <a:t>Features</a:t>
             </a:r>
             <a:endParaRPr lang="en-US" dirty="0"/>
           </a:p>
@@ -12219,7 +12136,11 @@
             </a:r>
             <a:r>
               <a:rPr lang="en-US" dirty="0" smtClean="0"/>
-              <a:t> CQ Architecture</a:t>
+              <a:t> </a:t>
+            </a:r>
+            <a:r>
+              <a:rPr lang="en-US" dirty="0" smtClean="0"/>
+              <a:t>Architecture</a:t>
             </a:r>
             <a:endParaRPr lang="en-US" dirty="0"/>
           </a:p>
@@ -12251,7 +12172,11 @@
             </a:r>
             <a:r>
               <a:rPr lang="en-US" dirty="0" smtClean="0"/>
-              <a:t> CQ is a complex </a:t>
+              <a:t> </a:t>
+            </a:r>
+            <a:r>
+              <a:rPr lang="en-US" dirty="0" smtClean="0"/>
+              <a:t>is a complex </a:t>
             </a:r>
             <a:r>
               <a:rPr lang="en-US" dirty="0"/>
@@ -12387,7 +12312,11 @@
             </a:r>
             <a:r>
               <a:rPr lang="en-US" dirty="0" smtClean="0"/>
-              <a:t> CQ Architecture</a:t>
+              <a:t> </a:t>
+            </a:r>
+            <a:r>
+              <a:rPr lang="en-US" dirty="0" smtClean="0"/>
+              <a:t>Architecture</a:t>
             </a:r>
             <a:endParaRPr lang="en-US" dirty="0"/>
           </a:p>
@@ -12428,7 +12357,19 @@
             </a:r>
             <a:r>
               <a:rPr lang="en-US" dirty="0" smtClean="0"/>
-              <a:t>for access to the CQ system across the network using password authentication</a:t>
+              <a:t>for access to the </a:t>
+            </a:r>
+            <a:r>
+              <a:rPr lang="en-US" dirty="0" smtClean="0"/>
+              <a:t>broker</a:t>
+            </a:r>
+            <a:r>
+              <a:rPr lang="en-US" dirty="0" smtClean="0"/>
+              <a:t> </a:t>
+            </a:r>
+            <a:r>
+              <a:rPr lang="en-US" dirty="0" smtClean="0"/>
+              <a:t>across the network using password authentication</a:t>
             </a:r>
           </a:p>
           <a:p>
@@ -12498,7 +12439,11 @@
             </a:r>
             <a:r>
               <a:rPr lang="en-US" dirty="0" smtClean="0"/>
-              <a:t> CQ Architecture</a:t>
+              <a:t> </a:t>
+            </a:r>
+            <a:r>
+              <a:rPr lang="en-US" dirty="0" smtClean="0"/>
+              <a:t>Architecture</a:t>
             </a:r>
             <a:endParaRPr lang="en-US" dirty="0"/>
           </a:p>
@@ -12589,12 +12534,16 @@
           <a:p>
             <a:pPr algn="ctr"/>
             <a:r>
-              <a:rPr lang="en-US" dirty="0" err="1"/>
+              <a:rPr lang="en-US" dirty="0" err="1" smtClean="0"/>
               <a:t>TeleScope</a:t>
             </a:r>
             <a:r>
+              <a:rPr lang="en-US" dirty="0" smtClean="0"/>
+              <a:t> </a:t>
+            </a:r>
+            <a:r>
               <a:rPr lang="en-US" dirty="0"/>
-              <a:t> CQ Architecture</a:t>
+              <a:t>Architecture</a:t>
             </a:r>
           </a:p>
         </p:txBody>
@@ -12685,12 +12634,12 @@
           <a:p>
             <a:pPr algn="ctr"/>
             <a:r>
-              <a:rPr lang="en-US" dirty="0" err="1"/>
+              <a:rPr lang="en-US" dirty="0" err="1" smtClean="0"/>
               <a:t>TeleScope</a:t>
             </a:r>
             <a:r>
-              <a:rPr lang="en-US" dirty="0"/>
-              <a:t> CQ </a:t>
+              <a:rPr lang="en-US" dirty="0" smtClean="0"/>
+              <a:t> </a:t>
             </a:r>
             <a:r>
               <a:rPr lang="en-US" dirty="0" smtClean="0"/>
@@ -12784,16 +12733,16 @@
           <a:p>
             <a:pPr algn="ctr"/>
             <a:r>
-              <a:rPr lang="en-US" dirty="0" err="1"/>
+              <a:rPr lang="en-US" dirty="0" err="1" smtClean="0"/>
               <a:t>TeleScope</a:t>
             </a:r>
             <a:r>
-              <a:rPr lang="en-US" dirty="0"/>
+              <a:rPr lang="en-US" dirty="0" smtClean="0"/>
               <a:t> </a:t>
             </a:r>
             <a:r>
               <a:rPr lang="en-US" dirty="0" smtClean="0"/>
-              <a:t>CQ content mesh topology</a:t>
+              <a:t>content mesh topology</a:t>
             </a:r>
             <a:endParaRPr lang="en-US" dirty="0"/>
           </a:p>
@@ -12886,7 +12835,7 @@
             <a:pPr algn="ctr"/>
             <a:r>
               <a:rPr lang="en-US" dirty="0" smtClean="0"/>
-              <a:t>Questions</a:t>
+              <a:t>Deployment Scenarios</a:t>
             </a:r>
             <a:endParaRPr lang="en-US" dirty="0"/>
           </a:p>
@@ -12915,15 +12864,38 @@
             </a:pPr>
             <a:endParaRPr lang="en-US" dirty="0" smtClean="0"/>
           </a:p>
-          <a:p>
-            <a:r>
-              <a:rPr lang="en-US" dirty="0" smtClean="0"/>
-              <a:t>Questions for possible deployment scenarios?</a:t>
-            </a:r>
-            <a:endParaRPr lang="en-US" dirty="0"/>
-          </a:p>
-        </p:txBody>
-      </p:sp>
+        </p:txBody>
+      </p:sp>
+      <p:pic>
+        <p:nvPicPr>
+          <p:cNvPr id="4" name="Picture 3" descr="telescope-deployment-arch.png"/>
+          <p:cNvPicPr>
+            <a:picLocks noChangeAspect="1"/>
+          </p:cNvPicPr>
+          <p:nvPr/>
+        </p:nvPicPr>
+        <p:blipFill>
+          <a:blip r:embed="rId2">
+            <a:extLst>
+              <a:ext uri="{28A0092B-C50C-407E-A947-70E740481C1C}">
+                <a14:useLocalDpi xmlns:a14="http://schemas.microsoft.com/office/drawing/2010/main" val="0"/>
+              </a:ext>
+            </a:extLst>
+          </a:blip>
+          <a:stretch>
+            <a:fillRect/>
+          </a:stretch>
+        </p:blipFill>
+        <p:spPr>
+          <a:xfrm>
+            <a:off x="1136989" y="1685795"/>
+            <a:ext cx="6870023" cy="4856009"/>
+          </a:xfrm>
+          <a:prstGeom prst="rect">
+            <a:avLst/>
+          </a:prstGeom>
+        </p:spPr>
+      </p:pic>
     </p:spTree>
     <p:extLst>
       <p:ext uri="{BB962C8B-B14F-4D97-AF65-F5344CB8AC3E}">

--- a/doc/TeleScope.pptx
+++ b/doc/TeleScope.pptx
@@ -33,6 +33,7 @@
     <p:sldId id="280" r:id="rId27"/>
     <p:sldId id="281" r:id="rId28"/>
     <p:sldId id="284" r:id="rId29"/>
+    <p:sldId id="285" r:id="rId30"/>
   </p:sldIdLst>
   <p:sldSz cx="9144000" cy="6858000" type="screen4x3"/>
   <p:notesSz cx="6858000" cy="9144000"/>
@@ -12900,6 +12901,124 @@
     <p:extLst>
       <p:ext uri="{BB962C8B-B14F-4D97-AF65-F5344CB8AC3E}">
         <p14:creationId xmlns:p14="http://schemas.microsoft.com/office/powerpoint/2010/main" val="1726239524"/>
+      </p:ext>
+    </p:extLst>
+  </p:cSld>
+  <p:clrMapOvr>
+    <a:masterClrMapping/>
+  </p:clrMapOvr>
+  <p:timing>
+    <p:tnLst>
+      <p:par>
+        <p:cTn xmlns:p14="http://schemas.microsoft.com/office/powerpoint/2010/main" id="1" dur="indefinite" restart="never" nodeType="tmRoot"/>
+      </p:par>
+    </p:tnLst>
+  </p:timing>
+</p:sld>
+</file>
+
+<file path=ppt/slides/slide29.xml><?xml version="1.0" encoding="utf-8"?>
+<p:sld xmlns:a="http://schemas.openxmlformats.org/drawingml/2006/main" xmlns:r="http://schemas.openxmlformats.org/officeDocument/2006/relationships" xmlns:p="http://schemas.openxmlformats.org/presentationml/2006/main">
+  <p:cSld>
+    <p:spTree>
+      <p:nvGrpSpPr>
+        <p:cNvPr id="1" name=""/>
+        <p:cNvGrpSpPr/>
+        <p:nvPr/>
+      </p:nvGrpSpPr>
+      <p:grpSpPr>
+        <a:xfrm>
+          <a:off x="0" y="0"/>
+          <a:ext cx="0" cy="0"/>
+          <a:chOff x="0" y="0"/>
+          <a:chExt cx="0" cy="0"/>
+        </a:xfrm>
+      </p:grpSpPr>
+      <p:sp>
+        <p:nvSpPr>
+          <p:cNvPr id="2" name="Title 1"/>
+          <p:cNvSpPr>
+            <a:spLocks noGrp="1"/>
+          </p:cNvSpPr>
+          <p:nvPr>
+            <p:ph type="title"/>
+          </p:nvPr>
+        </p:nvSpPr>
+        <p:spPr/>
+        <p:txBody>
+          <a:bodyPr>
+            <a:normAutofit/>
+          </a:bodyPr>
+          <a:lstStyle/>
+          <a:p>
+            <a:pPr algn="ctr"/>
+            <a:r>
+              <a:rPr lang="en-US" dirty="0" smtClean="0"/>
+              <a:t>Deployment Scenarios</a:t>
+            </a:r>
+            <a:endParaRPr lang="en-US" dirty="0"/>
+          </a:p>
+        </p:txBody>
+      </p:sp>
+      <p:sp>
+        <p:nvSpPr>
+          <p:cNvPr id="3" name="Content Placeholder 2"/>
+          <p:cNvSpPr>
+            <a:spLocks noGrp="1"/>
+          </p:cNvSpPr>
+          <p:nvPr>
+            <p:ph idx="1"/>
+          </p:nvPr>
+        </p:nvSpPr>
+        <p:spPr/>
+        <p:txBody>
+          <a:bodyPr/>
+          <a:lstStyle/>
+          <a:p>
+            <a:endParaRPr lang="en-US" dirty="0" smtClean="0"/>
+          </a:p>
+          <a:p>
+            <a:pPr marL="0" indent="0">
+              <a:buNone/>
+            </a:pPr>
+            <a:endParaRPr lang="en-US" dirty="0" smtClean="0"/>
+          </a:p>
+        </p:txBody>
+      </p:sp>
+      <p:pic>
+        <p:nvPicPr>
+          <p:cNvPr id="6" name="Picture 5" descr="telescope-deployment-arch-1.png"/>
+          <p:cNvPicPr>
+            <a:picLocks noChangeAspect="1"/>
+          </p:cNvPicPr>
+          <p:nvPr/>
+        </p:nvPicPr>
+        <p:blipFill>
+          <a:blip r:embed="rId2">
+            <a:extLst>
+              <a:ext uri="{28A0092B-C50C-407E-A947-70E740481C1C}">
+                <a14:useLocalDpi xmlns:a14="http://schemas.microsoft.com/office/drawing/2010/main" val="0"/>
+              </a:ext>
+            </a:extLst>
+          </a:blip>
+          <a:stretch>
+            <a:fillRect/>
+          </a:stretch>
+        </p:blipFill>
+        <p:spPr>
+          <a:xfrm>
+            <a:off x="1136989" y="1673220"/>
+            <a:ext cx="6870023" cy="4856009"/>
+          </a:xfrm>
+          <a:prstGeom prst="rect">
+            <a:avLst/>
+          </a:prstGeom>
+        </p:spPr>
+      </p:pic>
+    </p:spTree>
+    <p:extLst>
+      <p:ext uri="{BB962C8B-B14F-4D97-AF65-F5344CB8AC3E}">
+        <p14:creationId xmlns:p14="http://schemas.microsoft.com/office/powerpoint/2010/main" val="1032076451"/>
       </p:ext>
     </p:extLst>
   </p:cSld>

--- a/doc/TeleScope.pptx
+++ b/doc/TeleScope.pptx
@@ -34,6 +34,8 @@
     <p:sldId id="281" r:id="rId28"/>
     <p:sldId id="284" r:id="rId29"/>
     <p:sldId id="285" r:id="rId30"/>
+    <p:sldId id="286" r:id="rId31"/>
+    <p:sldId id="287" r:id="rId32"/>
   </p:sldIdLst>
   <p:sldSz cx="9144000" cy="6858000" type="screen4x3"/>
   <p:notesSz cx="6858000" cy="9144000"/>
@@ -169,7 +171,7 @@
           <a:p>
             <a:fld id="{4251665B-C24A-4702-B522-6A4334602E03}" type="datetimeFigureOut">
               <a:rPr lang="en-US" smtClean="0"/>
-              <a:t>6/1/14</a:t>
+              <a:t>6/3/14</a:t>
             </a:fld>
             <a:endParaRPr lang="en-US"/>
           </a:p>
@@ -926,7 +928,7 @@
           <a:p>
             <a:fld id="{4251665B-C24A-4702-B522-6A4334602E03}" type="datetimeFigureOut">
               <a:rPr lang="en-US" smtClean="0"/>
-              <a:t>6/1/14</a:t>
+              <a:t>6/3/14</a:t>
             </a:fld>
             <a:endParaRPr lang="en-US"/>
           </a:p>
@@ -1550,7 +1552,7 @@
           <a:p>
             <a:fld id="{4251665B-C24A-4702-B522-6A4334602E03}" type="datetimeFigureOut">
               <a:rPr lang="en-US" smtClean="0"/>
-              <a:t>6/1/14</a:t>
+              <a:t>6/3/14</a:t>
             </a:fld>
             <a:endParaRPr lang="en-US"/>
           </a:p>
@@ -1973,7 +1975,7 @@
           <a:p>
             <a:fld id="{4251665B-C24A-4702-B522-6A4334602E03}" type="datetimeFigureOut">
               <a:rPr lang="en-US" smtClean="0"/>
-              <a:t>6/1/14</a:t>
+              <a:t>6/3/14</a:t>
             </a:fld>
             <a:endParaRPr lang="en-US"/>
           </a:p>
@@ -2150,7 +2152,7 @@
           <a:p>
             <a:fld id="{4251665B-C24A-4702-B522-6A4334602E03}" type="datetimeFigureOut">
               <a:rPr lang="en-US" smtClean="0"/>
-              <a:t>6/1/14</a:t>
+              <a:t>6/3/14</a:t>
             </a:fld>
             <a:endParaRPr lang="en-US"/>
           </a:p>
@@ -2967,7 +2969,7 @@
           <a:p>
             <a:fld id="{4251665B-C24A-4702-B522-6A4334602E03}" type="datetimeFigureOut">
               <a:rPr lang="en-US" smtClean="0"/>
-              <a:t>6/1/14</a:t>
+              <a:t>6/3/14</a:t>
             </a:fld>
             <a:endParaRPr lang="en-US"/>
           </a:p>
@@ -3478,7 +3480,7 @@
           <a:p>
             <a:fld id="{4251665B-C24A-4702-B522-6A4334602E03}" type="datetimeFigureOut">
               <a:rPr lang="en-US" smtClean="0"/>
-              <a:t>6/1/14</a:t>
+              <a:t>6/3/14</a:t>
             </a:fld>
             <a:endParaRPr lang="en-US"/>
           </a:p>
@@ -3711,7 +3713,7 @@
           <a:p>
             <a:fld id="{4251665B-C24A-4702-B522-6A4334602E03}" type="datetimeFigureOut">
               <a:rPr lang="en-US" smtClean="0"/>
-              <a:t>6/1/14</a:t>
+              <a:t>6/3/14</a:t>
             </a:fld>
             <a:endParaRPr lang="en-US"/>
           </a:p>
@@ -4236,7 +4238,7 @@
           <a:p>
             <a:fld id="{4251665B-C24A-4702-B522-6A4334602E03}" type="datetimeFigureOut">
               <a:rPr lang="en-US" smtClean="0"/>
-              <a:t>6/1/14</a:t>
+              <a:t>6/3/14</a:t>
             </a:fld>
             <a:endParaRPr lang="en-US"/>
           </a:p>
@@ -4371,7 +4373,7 @@
           <a:p>
             <a:fld id="{4251665B-C24A-4702-B522-6A4334602E03}" type="datetimeFigureOut">
               <a:rPr lang="en-US" smtClean="0"/>
-              <a:t>6/1/14</a:t>
+              <a:t>6/3/14</a:t>
             </a:fld>
             <a:endParaRPr lang="en-US"/>
           </a:p>
@@ -5269,7 +5271,7 @@
           <a:p>
             <a:fld id="{4251665B-C24A-4702-B522-6A4334602E03}" type="datetimeFigureOut">
               <a:rPr lang="en-US" smtClean="0"/>
-              <a:t>6/1/14</a:t>
+              <a:t>6/3/14</a:t>
             </a:fld>
             <a:endParaRPr lang="en-US"/>
           </a:p>
@@ -5392,7 +5394,7 @@
           <a:p>
             <a:fld id="{4251665B-C24A-4702-B522-6A4334602E03}" type="datetimeFigureOut">
               <a:rPr lang="en-US" smtClean="0"/>
-              <a:t>6/1/14</a:t>
+              <a:t>6/3/14</a:t>
             </a:fld>
             <a:endParaRPr lang="en-US"/>
           </a:p>
@@ -6276,7 +6278,7 @@
           <a:p>
             <a:fld id="{4251665B-C24A-4702-B522-6A4334602E03}" type="datetimeFigureOut">
               <a:rPr lang="en-US" smtClean="0"/>
-              <a:t>6/1/14</a:t>
+              <a:t>6/3/14</a:t>
             </a:fld>
             <a:endParaRPr lang="en-US"/>
           </a:p>
@@ -6924,7 +6926,7 @@
           <a:p>
             <a:fld id="{4251665B-C24A-4702-B522-6A4334602E03}" type="datetimeFigureOut">
               <a:rPr lang="en-US" smtClean="0"/>
-              <a:t>6/1/14</a:t>
+              <a:t>6/3/14</a:t>
             </a:fld>
             <a:endParaRPr lang="en-US"/>
           </a:p>
@@ -7240,7 +7242,7 @@
           <a:p>
             <a:fld id="{4251665B-C24A-4702-B522-6A4334602E03}" type="datetimeFigureOut">
               <a:rPr lang="en-US" smtClean="0"/>
-              <a:t>6/1/14</a:t>
+              <a:t>6/3/14</a:t>
             </a:fld>
             <a:endParaRPr lang="en-US"/>
           </a:p>
@@ -7330,7 +7332,7 @@
           <a:p>
             <a:fld id="{4251665B-C24A-4702-B522-6A4334602E03}" type="datetimeFigureOut">
               <a:rPr lang="en-US" smtClean="0"/>
-              <a:t>6/1/14</a:t>
+              <a:t>6/3/14</a:t>
             </a:fld>
             <a:endParaRPr lang="en-US"/>
           </a:p>
@@ -7658,7 +7660,7 @@
           <a:p>
             <a:fld id="{4251665B-C24A-4702-B522-6A4334602E03}" type="datetimeFigureOut">
               <a:rPr lang="en-US" smtClean="0"/>
-              <a:t>6/1/14</a:t>
+              <a:t>6/3/14</a:t>
             </a:fld>
             <a:endParaRPr lang="en-US"/>
           </a:p>
@@ -8185,20 +8187,12 @@
               <a:rPr lang="en-US" dirty="0" smtClean="0"/>
               <a:t> </a:t>
             </a:r>
-            <a:r>
-              <a:rPr lang="en-US" dirty="0" smtClean="0"/>
-              <a:t/>
-            </a:r>
             <a:br>
               <a:rPr lang="en-US" dirty="0" smtClean="0"/>
             </a:br>
             <a:r>
               <a:rPr lang="en-US" sz="3100" dirty="0" smtClean="0"/>
-              <a:t>XML Stream/Replicator </a:t>
-            </a:r>
-            <a:r>
-              <a:rPr lang="en-US" sz="3100" dirty="0" smtClean="0"/>
-              <a:t>Platform</a:t>
+              <a:t>XML Stream/Replicator Platform</a:t>
             </a:r>
             <a:endParaRPr lang="en-US" dirty="0"/>
           </a:p>
@@ -8295,11 +8289,7 @@
             </a:r>
             <a:r>
               <a:rPr lang="en-US" sz="2000" dirty="0" smtClean="0"/>
-              <a:t>Collins, CO, </a:t>
-            </a:r>
-            <a:r>
-              <a:rPr lang="en-US" sz="2000" dirty="0" smtClean="0"/>
-              <a:t>USA</a:t>
+              <a:t>Collins, CO, USA</a:t>
             </a:r>
           </a:p>
           <a:p>
@@ -9234,11 +9224,7 @@
             </a:r>
             <a:r>
               <a:rPr lang="en-US" dirty="0" smtClean="0"/>
-              <a:t> </a:t>
-            </a:r>
-            <a:r>
-              <a:rPr lang="en-US" dirty="0" smtClean="0"/>
-              <a:t>Features</a:t>
+              <a:t> Features</a:t>
             </a:r>
             <a:endParaRPr lang="en-US" dirty="0"/>
           </a:p>
@@ -9396,11 +9382,7 @@
             </a:r>
             <a:r>
               <a:rPr lang="en-US" dirty="0" smtClean="0"/>
-              <a:t> </a:t>
-            </a:r>
-            <a:r>
-              <a:rPr lang="en-US" dirty="0" smtClean="0"/>
-              <a:t>Features</a:t>
+              <a:t> Features</a:t>
             </a:r>
             <a:endParaRPr lang="en-US" dirty="0"/>
           </a:p>
@@ -9544,11 +9526,7 @@
             </a:r>
             <a:r>
               <a:rPr lang="en-US" dirty="0" smtClean="0"/>
-              <a:t> </a:t>
-            </a:r>
-            <a:r>
-              <a:rPr lang="en-US" dirty="0" smtClean="0"/>
-              <a:t>Features</a:t>
+              <a:t> Features</a:t>
             </a:r>
             <a:endParaRPr lang="en-US" dirty="0"/>
           </a:p>
@@ -9691,11 +9669,7 @@
             </a:r>
             <a:r>
               <a:rPr lang="en-US" dirty="0" smtClean="0"/>
-              <a:t> </a:t>
-            </a:r>
-            <a:r>
-              <a:rPr lang="en-US" dirty="0" smtClean="0"/>
-              <a:t>Features</a:t>
+              <a:t> Features</a:t>
             </a:r>
             <a:endParaRPr lang="en-US" dirty="0"/>
           </a:p>
@@ -12137,11 +12111,7 @@
             </a:r>
             <a:r>
               <a:rPr lang="en-US" dirty="0" smtClean="0"/>
-              <a:t> </a:t>
-            </a:r>
-            <a:r>
-              <a:rPr lang="en-US" dirty="0" smtClean="0"/>
-              <a:t>Architecture</a:t>
+              <a:t> Architecture</a:t>
             </a:r>
             <a:endParaRPr lang="en-US" dirty="0"/>
           </a:p>
@@ -12173,11 +12143,7 @@
             </a:r>
             <a:r>
               <a:rPr lang="en-US" dirty="0" smtClean="0"/>
-              <a:t> </a:t>
-            </a:r>
-            <a:r>
-              <a:rPr lang="en-US" dirty="0" smtClean="0"/>
-              <a:t>is a complex </a:t>
+              <a:t> is a complex </a:t>
             </a:r>
             <a:r>
               <a:rPr lang="en-US" dirty="0"/>
@@ -12313,11 +12279,7 @@
             </a:r>
             <a:r>
               <a:rPr lang="en-US" dirty="0" smtClean="0"/>
-              <a:t> </a:t>
-            </a:r>
-            <a:r>
-              <a:rPr lang="en-US" dirty="0" smtClean="0"/>
-              <a:t>Architecture</a:t>
+              <a:t> Architecture</a:t>
             </a:r>
             <a:endParaRPr lang="en-US" dirty="0"/>
           </a:p>
@@ -12358,19 +12320,7 @@
             </a:r>
             <a:r>
               <a:rPr lang="en-US" dirty="0" smtClean="0"/>
-              <a:t>for access to the </a:t>
-            </a:r>
-            <a:r>
-              <a:rPr lang="en-US" dirty="0" smtClean="0"/>
-              <a:t>broker</a:t>
-            </a:r>
-            <a:r>
-              <a:rPr lang="en-US" dirty="0" smtClean="0"/>
-              <a:t> </a:t>
-            </a:r>
-            <a:r>
-              <a:rPr lang="en-US" dirty="0" smtClean="0"/>
-              <a:t>across the network using password authentication</a:t>
+              <a:t>for access to the broker across the network using password authentication</a:t>
             </a:r>
           </a:p>
           <a:p>
@@ -12440,11 +12390,7 @@
             </a:r>
             <a:r>
               <a:rPr lang="en-US" dirty="0" smtClean="0"/>
-              <a:t> </a:t>
-            </a:r>
-            <a:r>
-              <a:rPr lang="en-US" dirty="0" smtClean="0"/>
-              <a:t>Architecture</a:t>
+              <a:t> Architecture</a:t>
             </a:r>
             <a:endParaRPr lang="en-US" dirty="0"/>
           </a:p>
@@ -12640,11 +12586,7 @@
             </a:r>
             <a:r>
               <a:rPr lang="en-US" dirty="0" smtClean="0"/>
-              <a:t> </a:t>
-            </a:r>
-            <a:r>
-              <a:rPr lang="en-US" dirty="0" smtClean="0"/>
-              <a:t>distributed content filtering</a:t>
+              <a:t> distributed content filtering</a:t>
             </a:r>
             <a:endParaRPr lang="en-US" dirty="0"/>
           </a:p>
@@ -12739,11 +12681,7 @@
             </a:r>
             <a:r>
               <a:rPr lang="en-US" dirty="0" smtClean="0"/>
-              <a:t> </a:t>
-            </a:r>
-            <a:r>
-              <a:rPr lang="en-US" dirty="0" smtClean="0"/>
-              <a:t>content mesh topology</a:t>
+              <a:t> content mesh topology</a:t>
             </a:r>
             <a:endParaRPr lang="en-US" dirty="0"/>
           </a:p>
@@ -12869,7 +12807,7 @@
       </p:sp>
       <p:pic>
         <p:nvPicPr>
-          <p:cNvPr id="4" name="Picture 3" descr="telescope-deployment-arch.png"/>
+          <p:cNvPr id="5" name="Picture 4" descr="telescope-deployment-arch.png"/>
           <p:cNvPicPr>
             <a:picLocks noChangeAspect="1"/>
           </p:cNvPicPr>
@@ -12889,7 +12827,7 @@
         </p:blipFill>
         <p:spPr>
           <a:xfrm>
-            <a:off x="1136989" y="1685795"/>
+            <a:off x="1136989" y="1773820"/>
             <a:ext cx="6870023" cy="4856009"/>
           </a:xfrm>
           <a:prstGeom prst="rect">
@@ -13224,6 +13162,281 @@
     <p:extLst>
       <p:ext uri="{BB962C8B-B14F-4D97-AF65-F5344CB8AC3E}">
         <p14:creationId xmlns:p14="http://schemas.microsoft.com/office/powerpoint/2010/main" val="1388264124"/>
+      </p:ext>
+    </p:extLst>
+  </p:cSld>
+  <p:clrMapOvr>
+    <a:masterClrMapping/>
+  </p:clrMapOvr>
+  <p:timing>
+    <p:tnLst>
+      <p:par>
+        <p:cTn xmlns:p14="http://schemas.microsoft.com/office/powerpoint/2010/main" id="1" dur="indefinite" restart="never" nodeType="tmRoot"/>
+      </p:par>
+    </p:tnLst>
+  </p:timing>
+</p:sld>
+</file>
+
+<file path=ppt/slides/slide30.xml><?xml version="1.0" encoding="utf-8"?>
+<p:sld xmlns:a="http://schemas.openxmlformats.org/drawingml/2006/main" xmlns:r="http://schemas.openxmlformats.org/officeDocument/2006/relationships" xmlns:p="http://schemas.openxmlformats.org/presentationml/2006/main">
+  <p:cSld>
+    <p:spTree>
+      <p:nvGrpSpPr>
+        <p:cNvPr id="1" name=""/>
+        <p:cNvGrpSpPr/>
+        <p:nvPr/>
+      </p:nvGrpSpPr>
+      <p:grpSpPr>
+        <a:xfrm>
+          <a:off x="0" y="0"/>
+          <a:ext cx="0" cy="0"/>
+          <a:chOff x="0" y="0"/>
+          <a:chExt cx="0" cy="0"/>
+        </a:xfrm>
+      </p:grpSpPr>
+      <p:sp>
+        <p:nvSpPr>
+          <p:cNvPr id="2" name="Title 1"/>
+          <p:cNvSpPr>
+            <a:spLocks noGrp="1"/>
+          </p:cNvSpPr>
+          <p:nvPr>
+            <p:ph type="title"/>
+          </p:nvPr>
+        </p:nvSpPr>
+        <p:spPr/>
+        <p:txBody>
+          <a:bodyPr>
+            <a:normAutofit/>
+          </a:bodyPr>
+          <a:lstStyle/>
+          <a:p>
+            <a:pPr algn="ctr"/>
+            <a:r>
+              <a:rPr lang="en-US" dirty="0" smtClean="0"/>
+              <a:t>Deployment Scenarios</a:t>
+            </a:r>
+            <a:endParaRPr lang="en-US" dirty="0"/>
+          </a:p>
+        </p:txBody>
+      </p:sp>
+      <p:sp>
+        <p:nvSpPr>
+          <p:cNvPr id="3" name="Content Placeholder 2"/>
+          <p:cNvSpPr>
+            <a:spLocks noGrp="1"/>
+          </p:cNvSpPr>
+          <p:nvPr>
+            <p:ph idx="1"/>
+          </p:nvPr>
+        </p:nvSpPr>
+        <p:spPr/>
+        <p:txBody>
+          <a:bodyPr/>
+          <a:lstStyle/>
+          <a:p>
+            <a:endParaRPr lang="en-US" dirty="0" smtClean="0"/>
+          </a:p>
+          <a:p>
+            <a:pPr marL="0" indent="0">
+              <a:buNone/>
+            </a:pPr>
+            <a:endParaRPr lang="en-US" dirty="0" smtClean="0"/>
+          </a:p>
+        </p:txBody>
+      </p:sp>
+      <p:pic>
+        <p:nvPicPr>
+          <p:cNvPr id="5" name="Picture 4" descr="telescope-deployment-arch-2.png"/>
+          <p:cNvPicPr>
+            <a:picLocks noChangeAspect="1"/>
+          </p:cNvPicPr>
+          <p:nvPr/>
+        </p:nvPicPr>
+        <p:blipFill>
+          <a:blip r:embed="rId2">
+            <a:extLst>
+              <a:ext uri="{28A0092B-C50C-407E-A947-70E740481C1C}">
+                <a14:useLocalDpi xmlns:a14="http://schemas.microsoft.com/office/drawing/2010/main" val="0"/>
+              </a:ext>
+            </a:extLst>
+          </a:blip>
+          <a:stretch>
+            <a:fillRect/>
+          </a:stretch>
+        </p:blipFill>
+        <p:spPr>
+          <a:xfrm>
+            <a:off x="1136989" y="1761245"/>
+            <a:ext cx="6870023" cy="4856009"/>
+          </a:xfrm>
+          <a:prstGeom prst="rect">
+            <a:avLst/>
+          </a:prstGeom>
+        </p:spPr>
+      </p:pic>
+    </p:spTree>
+    <p:extLst>
+      <p:ext uri="{BB962C8B-B14F-4D97-AF65-F5344CB8AC3E}">
+        <p14:creationId xmlns:p14="http://schemas.microsoft.com/office/powerpoint/2010/main" val="475181724"/>
+      </p:ext>
+    </p:extLst>
+  </p:cSld>
+  <p:clrMapOvr>
+    <a:masterClrMapping/>
+  </p:clrMapOvr>
+  <p:timing>
+    <p:tnLst>
+      <p:par>
+        <p:cTn xmlns:p14="http://schemas.microsoft.com/office/powerpoint/2010/main" id="1" dur="indefinite" restart="never" nodeType="tmRoot"/>
+      </p:par>
+    </p:tnLst>
+  </p:timing>
+</p:sld>
+</file>
+
+<file path=ppt/slides/slide31.xml><?xml version="1.0" encoding="utf-8"?>
+<p:sld xmlns:a="http://schemas.openxmlformats.org/drawingml/2006/main" xmlns:r="http://schemas.openxmlformats.org/officeDocument/2006/relationships" xmlns:p="http://schemas.openxmlformats.org/presentationml/2006/main">
+  <p:cSld>
+    <p:spTree>
+      <p:nvGrpSpPr>
+        <p:cNvPr id="1" name=""/>
+        <p:cNvGrpSpPr/>
+        <p:nvPr/>
+      </p:nvGrpSpPr>
+      <p:grpSpPr>
+        <a:xfrm>
+          <a:off x="0" y="0"/>
+          <a:ext cx="0" cy="0"/>
+          <a:chOff x="0" y="0"/>
+          <a:chExt cx="0" cy="0"/>
+        </a:xfrm>
+      </p:grpSpPr>
+      <p:sp>
+        <p:nvSpPr>
+          <p:cNvPr id="2" name="Title 1"/>
+          <p:cNvSpPr>
+            <a:spLocks noGrp="1"/>
+          </p:cNvSpPr>
+          <p:nvPr>
+            <p:ph type="title"/>
+          </p:nvPr>
+        </p:nvSpPr>
+        <p:spPr/>
+        <p:txBody>
+          <a:bodyPr>
+            <a:normAutofit/>
+          </a:bodyPr>
+          <a:lstStyle/>
+          <a:p>
+            <a:pPr algn="ctr"/>
+            <a:r>
+              <a:rPr lang="en-US" dirty="0" smtClean="0"/>
+              <a:t>Future Directions</a:t>
+            </a:r>
+            <a:endParaRPr lang="en-US" dirty="0"/>
+          </a:p>
+        </p:txBody>
+      </p:sp>
+      <p:sp>
+        <p:nvSpPr>
+          <p:cNvPr id="9" name="Content Placeholder 8"/>
+          <p:cNvSpPr>
+            <a:spLocks noGrp="1"/>
+          </p:cNvSpPr>
+          <p:nvPr>
+            <p:ph idx="1"/>
+          </p:nvPr>
+        </p:nvSpPr>
+        <p:spPr/>
+        <p:txBody>
+          <a:bodyPr/>
+          <a:lstStyle/>
+          <a:p>
+            <a:pPr marL="0" indent="0">
+              <a:buNone/>
+            </a:pPr>
+            <a:endParaRPr lang="en-US" dirty="0" smtClean="0"/>
+          </a:p>
+          <a:p>
+            <a:pPr marL="0" indent="0">
+              <a:buNone/>
+            </a:pPr>
+            <a:endParaRPr lang="en-US" dirty="0" smtClean="0"/>
+          </a:p>
+          <a:p>
+            <a:r>
+              <a:rPr lang="en-US" dirty="0" smtClean="0"/>
+              <a:t>Lots of things to improve and add new features as requirements mature</a:t>
+            </a:r>
+          </a:p>
+          <a:p>
+            <a:endParaRPr lang="en-US" dirty="0"/>
+          </a:p>
+          <a:p>
+            <a:endParaRPr lang="en-US" dirty="0"/>
+          </a:p>
+          <a:p>
+            <a:endParaRPr lang="en-US" dirty="0"/>
+          </a:p>
+          <a:p>
+            <a:endParaRPr lang="en-US" dirty="0"/>
+          </a:p>
+          <a:p>
+            <a:endParaRPr lang="en-US" dirty="0"/>
+          </a:p>
+          <a:p>
+            <a:endParaRPr lang="en-US" dirty="0"/>
+          </a:p>
+          <a:p>
+            <a:endParaRPr lang="en-US" dirty="0"/>
+          </a:p>
+          <a:p>
+            <a:endParaRPr lang="en-US" dirty="0"/>
+          </a:p>
+          <a:p>
+            <a:endParaRPr lang="en-US" dirty="0"/>
+          </a:p>
+          <a:p>
+            <a:endParaRPr lang="en-US" dirty="0"/>
+          </a:p>
+        </p:txBody>
+      </p:sp>
+      <p:pic>
+        <p:nvPicPr>
+          <p:cNvPr id="3" name="Picture 2" descr="telescope-logo3.png"/>
+          <p:cNvPicPr>
+            <a:picLocks noChangeAspect="1"/>
+          </p:cNvPicPr>
+          <p:nvPr/>
+        </p:nvPicPr>
+        <p:blipFill>
+          <a:blip r:embed="rId2">
+            <a:extLst>
+              <a:ext uri="{28A0092B-C50C-407E-A947-70E740481C1C}">
+                <a14:useLocalDpi xmlns:a14="http://schemas.microsoft.com/office/drawing/2010/main" val="0"/>
+              </a:ext>
+            </a:extLst>
+          </a:blip>
+          <a:stretch>
+            <a:fillRect/>
+          </a:stretch>
+        </p:blipFill>
+        <p:spPr>
+          <a:xfrm>
+            <a:off x="3577000" y="4567392"/>
+            <a:ext cx="1990001" cy="1406614"/>
+          </a:xfrm>
+          <a:prstGeom prst="rect">
+            <a:avLst/>
+          </a:prstGeom>
+        </p:spPr>
+      </p:pic>
+    </p:spTree>
+    <p:extLst>
+      <p:ext uri="{BB962C8B-B14F-4D97-AF65-F5344CB8AC3E}">
+        <p14:creationId xmlns:p14="http://schemas.microsoft.com/office/powerpoint/2010/main" val="1984323330"/>
       </p:ext>
     </p:extLst>
   </p:cSld>

--- a/doc/TeleScope.pptx
+++ b/doc/TeleScope.pptx
@@ -171,7 +171,7 @@
           <a:p>
             <a:fld id="{4251665B-C24A-4702-B522-6A4334602E03}" type="datetimeFigureOut">
               <a:rPr lang="en-US" smtClean="0"/>
-              <a:t>6/3/14</a:t>
+              <a:t>6/9/14</a:t>
             </a:fld>
             <a:endParaRPr lang="en-US"/>
           </a:p>
@@ -928,7 +928,7 @@
           <a:p>
             <a:fld id="{4251665B-C24A-4702-B522-6A4334602E03}" type="datetimeFigureOut">
               <a:rPr lang="en-US" smtClean="0"/>
-              <a:t>6/3/14</a:t>
+              <a:t>6/9/14</a:t>
             </a:fld>
             <a:endParaRPr lang="en-US"/>
           </a:p>
@@ -1552,7 +1552,7 @@
           <a:p>
             <a:fld id="{4251665B-C24A-4702-B522-6A4334602E03}" type="datetimeFigureOut">
               <a:rPr lang="en-US" smtClean="0"/>
-              <a:t>6/3/14</a:t>
+              <a:t>6/9/14</a:t>
             </a:fld>
             <a:endParaRPr lang="en-US"/>
           </a:p>
@@ -1975,7 +1975,7 @@
           <a:p>
             <a:fld id="{4251665B-C24A-4702-B522-6A4334602E03}" type="datetimeFigureOut">
               <a:rPr lang="en-US" smtClean="0"/>
-              <a:t>6/3/14</a:t>
+              <a:t>6/9/14</a:t>
             </a:fld>
             <a:endParaRPr lang="en-US"/>
           </a:p>
@@ -2152,7 +2152,7 @@
           <a:p>
             <a:fld id="{4251665B-C24A-4702-B522-6A4334602E03}" type="datetimeFigureOut">
               <a:rPr lang="en-US" smtClean="0"/>
-              <a:t>6/3/14</a:t>
+              <a:t>6/9/14</a:t>
             </a:fld>
             <a:endParaRPr lang="en-US"/>
           </a:p>
@@ -2969,7 +2969,7 @@
           <a:p>
             <a:fld id="{4251665B-C24A-4702-B522-6A4334602E03}" type="datetimeFigureOut">
               <a:rPr lang="en-US" smtClean="0"/>
-              <a:t>6/3/14</a:t>
+              <a:t>6/9/14</a:t>
             </a:fld>
             <a:endParaRPr lang="en-US"/>
           </a:p>
@@ -3480,7 +3480,7 @@
           <a:p>
             <a:fld id="{4251665B-C24A-4702-B522-6A4334602E03}" type="datetimeFigureOut">
               <a:rPr lang="en-US" smtClean="0"/>
-              <a:t>6/3/14</a:t>
+              <a:t>6/9/14</a:t>
             </a:fld>
             <a:endParaRPr lang="en-US"/>
           </a:p>
@@ -3713,7 +3713,7 @@
           <a:p>
             <a:fld id="{4251665B-C24A-4702-B522-6A4334602E03}" type="datetimeFigureOut">
               <a:rPr lang="en-US" smtClean="0"/>
-              <a:t>6/3/14</a:t>
+              <a:t>6/9/14</a:t>
             </a:fld>
             <a:endParaRPr lang="en-US"/>
           </a:p>
@@ -4238,7 +4238,7 @@
           <a:p>
             <a:fld id="{4251665B-C24A-4702-B522-6A4334602E03}" type="datetimeFigureOut">
               <a:rPr lang="en-US" smtClean="0"/>
-              <a:t>6/3/14</a:t>
+              <a:t>6/9/14</a:t>
             </a:fld>
             <a:endParaRPr lang="en-US"/>
           </a:p>
@@ -4373,7 +4373,7 @@
           <a:p>
             <a:fld id="{4251665B-C24A-4702-B522-6A4334602E03}" type="datetimeFigureOut">
               <a:rPr lang="en-US" smtClean="0"/>
-              <a:t>6/3/14</a:t>
+              <a:t>6/9/14</a:t>
             </a:fld>
             <a:endParaRPr lang="en-US"/>
           </a:p>
@@ -5271,7 +5271,7 @@
           <a:p>
             <a:fld id="{4251665B-C24A-4702-B522-6A4334602E03}" type="datetimeFigureOut">
               <a:rPr lang="en-US" smtClean="0"/>
-              <a:t>6/3/14</a:t>
+              <a:t>6/9/14</a:t>
             </a:fld>
             <a:endParaRPr lang="en-US"/>
           </a:p>
@@ -5394,7 +5394,7 @@
           <a:p>
             <a:fld id="{4251665B-C24A-4702-B522-6A4334602E03}" type="datetimeFigureOut">
               <a:rPr lang="en-US" smtClean="0"/>
-              <a:t>6/3/14</a:t>
+              <a:t>6/9/14</a:t>
             </a:fld>
             <a:endParaRPr lang="en-US"/>
           </a:p>
@@ -6278,7 +6278,7 @@
           <a:p>
             <a:fld id="{4251665B-C24A-4702-B522-6A4334602E03}" type="datetimeFigureOut">
               <a:rPr lang="en-US" smtClean="0"/>
-              <a:t>6/3/14</a:t>
+              <a:t>6/9/14</a:t>
             </a:fld>
             <a:endParaRPr lang="en-US"/>
           </a:p>
@@ -6926,7 +6926,7 @@
           <a:p>
             <a:fld id="{4251665B-C24A-4702-B522-6A4334602E03}" type="datetimeFigureOut">
               <a:rPr lang="en-US" smtClean="0"/>
-              <a:t>6/3/14</a:t>
+              <a:t>6/9/14</a:t>
             </a:fld>
             <a:endParaRPr lang="en-US"/>
           </a:p>
@@ -7242,7 +7242,7 @@
           <a:p>
             <a:fld id="{4251665B-C24A-4702-B522-6A4334602E03}" type="datetimeFigureOut">
               <a:rPr lang="en-US" smtClean="0"/>
-              <a:t>6/3/14</a:t>
+              <a:t>6/9/14</a:t>
             </a:fld>
             <a:endParaRPr lang="en-US"/>
           </a:p>
@@ -7332,7 +7332,7 @@
           <a:p>
             <a:fld id="{4251665B-C24A-4702-B522-6A4334602E03}" type="datetimeFigureOut">
               <a:rPr lang="en-US" smtClean="0"/>
-              <a:t>6/3/14</a:t>
+              <a:t>6/9/14</a:t>
             </a:fld>
             <a:endParaRPr lang="en-US"/>
           </a:p>
@@ -7660,7 +7660,7 @@
           <a:p>
             <a:fld id="{4251665B-C24A-4702-B522-6A4334602E03}" type="datetimeFigureOut">
               <a:rPr lang="en-US" smtClean="0"/>
-              <a:t>6/3/14</a:t>
+              <a:t>6/9/14</a:t>
             </a:fld>
             <a:endParaRPr lang="en-US"/>
           </a:p>
@@ -8192,7 +8192,11 @@
             </a:br>
             <a:r>
               <a:rPr lang="en-US" sz="3100" dirty="0" smtClean="0"/>
-              <a:t>XML Stream/Replicator Platform</a:t>
+              <a:t>XML Data Stream Broker/</a:t>
+            </a:r>
+            <a:r>
+              <a:rPr lang="en-US" sz="3100" dirty="0" smtClean="0"/>
+              <a:t>Replicator Platform</a:t>
             </a:r>
             <a:endParaRPr lang="en-US" dirty="0"/>
           </a:p>
@@ -8227,7 +8231,7 @@
         <p:spPr>
           <a:xfrm>
             <a:off x="1939245" y="2150274"/>
-            <a:ext cx="5114428" cy="3262432"/>
+            <a:ext cx="5114428" cy="2893100"/>
           </a:xfrm>
           <a:prstGeom prst="rect">
             <a:avLst/>
@@ -8310,10 +8314,7 @@
               <a:rPr lang="en-US" sz="1600" dirty="0" err="1" smtClean="0"/>
               <a:t>Baldoni</a:t>
             </a:r>
-            <a:r>
-              <a:rPr lang="en-US" sz="1600" dirty="0" smtClean="0"/>
-              <a:t> (2005)</a:t>
-            </a:r>
+            <a:endParaRPr lang="en-US" sz="1600" dirty="0" smtClean="0"/>
           </a:p>
           <a:p>
             <a:pPr algn="ctr"/>

--- a/doc/TeleScope.pptx
+++ b/doc/TeleScope.pptx
@@ -8247,12 +8247,9 @@
             <a:pPr algn="ctr"/>
             <a:r>
               <a:rPr lang="en-US" sz="2400" dirty="0"/>
-              <a:t>Belyaev </a:t>
-            </a:r>
-            <a:r>
-              <a:rPr lang="en-US" sz="2400" dirty="0" smtClean="0"/>
-              <a:t>Kirill</a:t>
-            </a:r>
+              <a:t>Kirill Belyaev</a:t>
+            </a:r>
+            <a:endParaRPr lang="en-US" sz="2400" dirty="0" smtClean="0"/>
           </a:p>
           <a:p>
             <a:pPr algn="ctr"/>
